--- a/Figures.&.Tables/COMMAND/COMMAND_pipelines.pptx
+++ b/Figures.&.Tables/COMMAND/COMMAND_pipelines.pptx
@@ -289,7 +289,7 @@
             <a:fld id="{1D8BD707-D9CF-40AE-B4C6-C98DA3205C09}" type="datetimeFigureOut">
               <a:rPr lang="en-US" smtClean="0"/>
               <a:pPr/>
-              <a:t>6/3/2014</a:t>
+              <a:t>7/10/2014</a:t>
             </a:fld>
             <a:endParaRPr lang="en-US"/>
           </a:p>
@@ -456,7 +456,7 @@
             <a:fld id="{1D8BD707-D9CF-40AE-B4C6-C98DA3205C09}" type="datetimeFigureOut">
               <a:rPr lang="en-US" smtClean="0"/>
               <a:pPr/>
-              <a:t>6/3/2014</a:t>
+              <a:t>7/10/2014</a:t>
             </a:fld>
             <a:endParaRPr lang="en-US"/>
           </a:p>
@@ -633,7 +633,7 @@
             <a:fld id="{1D8BD707-D9CF-40AE-B4C6-C98DA3205C09}" type="datetimeFigureOut">
               <a:rPr lang="en-US" smtClean="0"/>
               <a:pPr/>
-              <a:t>6/3/2014</a:t>
+              <a:t>7/10/2014</a:t>
             </a:fld>
             <a:endParaRPr lang="en-US"/>
           </a:p>
@@ -800,7 +800,7 @@
             <a:fld id="{1D8BD707-D9CF-40AE-B4C6-C98DA3205C09}" type="datetimeFigureOut">
               <a:rPr lang="en-US" smtClean="0"/>
               <a:pPr/>
-              <a:t>6/3/2014</a:t>
+              <a:t>7/10/2014</a:t>
             </a:fld>
             <a:endParaRPr lang="en-US"/>
           </a:p>
@@ -1043,7 +1043,7 @@
             <a:fld id="{1D8BD707-D9CF-40AE-B4C6-C98DA3205C09}" type="datetimeFigureOut">
               <a:rPr lang="en-US" smtClean="0"/>
               <a:pPr/>
-              <a:t>6/3/2014</a:t>
+              <a:t>7/10/2014</a:t>
             </a:fld>
             <a:endParaRPr lang="en-US"/>
           </a:p>
@@ -1328,7 +1328,7 @@
             <a:fld id="{1D8BD707-D9CF-40AE-B4C6-C98DA3205C09}" type="datetimeFigureOut">
               <a:rPr lang="en-US" smtClean="0"/>
               <a:pPr/>
-              <a:t>6/3/2014</a:t>
+              <a:t>7/10/2014</a:t>
             </a:fld>
             <a:endParaRPr lang="en-US"/>
           </a:p>
@@ -1747,7 +1747,7 @@
             <a:fld id="{1D8BD707-D9CF-40AE-B4C6-C98DA3205C09}" type="datetimeFigureOut">
               <a:rPr lang="en-US" smtClean="0"/>
               <a:pPr/>
-              <a:t>6/3/2014</a:t>
+              <a:t>7/10/2014</a:t>
             </a:fld>
             <a:endParaRPr lang="en-US"/>
           </a:p>
@@ -1862,7 +1862,7 @@
             <a:fld id="{1D8BD707-D9CF-40AE-B4C6-C98DA3205C09}" type="datetimeFigureOut">
               <a:rPr lang="en-US" smtClean="0"/>
               <a:pPr/>
-              <a:t>6/3/2014</a:t>
+              <a:t>7/10/2014</a:t>
             </a:fld>
             <a:endParaRPr lang="en-US"/>
           </a:p>
@@ -1954,7 +1954,7 @@
             <a:fld id="{1D8BD707-D9CF-40AE-B4C6-C98DA3205C09}" type="datetimeFigureOut">
               <a:rPr lang="en-US" smtClean="0"/>
               <a:pPr/>
-              <a:t>6/3/2014</a:t>
+              <a:t>7/10/2014</a:t>
             </a:fld>
             <a:endParaRPr lang="en-US"/>
           </a:p>
@@ -2228,7 +2228,7 @@
             <a:fld id="{1D8BD707-D9CF-40AE-B4C6-C98DA3205C09}" type="datetimeFigureOut">
               <a:rPr lang="en-US" smtClean="0"/>
               <a:pPr/>
-              <a:t>6/3/2014</a:t>
+              <a:t>7/10/2014</a:t>
             </a:fld>
             <a:endParaRPr lang="en-US"/>
           </a:p>
@@ -2478,7 +2478,7 @@
             <a:fld id="{1D8BD707-D9CF-40AE-B4C6-C98DA3205C09}" type="datetimeFigureOut">
               <a:rPr lang="en-US" smtClean="0"/>
               <a:pPr/>
-              <a:t>6/3/2014</a:t>
+              <a:t>7/10/2014</a:t>
             </a:fld>
             <a:endParaRPr lang="en-US"/>
           </a:p>
@@ -2688,7 +2688,7 @@
             <a:fld id="{1D8BD707-D9CF-40AE-B4C6-C98DA3205C09}" type="datetimeFigureOut">
               <a:rPr lang="en-US" smtClean="0"/>
               <a:pPr/>
-              <a:t>6/3/2014</a:t>
+              <a:t>7/10/2014</a:t>
             </a:fld>
             <a:endParaRPr lang="en-US"/>
           </a:p>
@@ -3112,7 +3112,7 @@
                 </a:solidFill>
                 <a:latin typeface="Corbel" pitchFamily="34" charset="0"/>
               </a:rPr>
-              <a:t>LOWESS</a:t>
+              <a:t>LOESS</a:t>
             </a:r>
             <a:endParaRPr lang="en-US" sz="1400" b="1" dirty="0">
               <a:solidFill>
@@ -3243,7 +3243,7 @@
                 </a:solidFill>
                 <a:latin typeface="Corbel" pitchFamily="34" charset="0"/>
               </a:rPr>
-              <a:t>LOWESS</a:t>
+              <a:t>LOESS</a:t>
             </a:r>
           </a:p>
           <a:p>
@@ -3503,7 +3503,7 @@
                 </a:solidFill>
                 <a:latin typeface="Corbel" pitchFamily="34" charset="0"/>
               </a:rPr>
-              <a:t>LOWESS</a:t>
+              <a:t>LOESS</a:t>
             </a:r>
           </a:p>
           <a:p>
@@ -3830,7 +3830,7 @@
         <p:spPr>
           <a:xfrm>
             <a:off x="1075319" y="5337955"/>
-            <a:ext cx="1896481" cy="338554"/>
+            <a:ext cx="2981714" cy="338554"/>
           </a:xfrm>
           <a:prstGeom prst="rect">
             <a:avLst/>
@@ -3845,7 +3845,11 @@
           <a:p>
             <a:r>
               <a:rPr lang="en-US" sz="1600" b="1" dirty="0" smtClean="0"/>
-              <a:t>single-channel array</a:t>
+              <a:t>high density single-channel </a:t>
+            </a:r>
+            <a:r>
+              <a:rPr lang="en-US" sz="1600" b="1" dirty="0" smtClean="0"/>
+              <a:t>array</a:t>
             </a:r>
             <a:endParaRPr lang="en-US" sz="1600" b="1" dirty="0"/>
           </a:p>
@@ -3964,7 +3968,8 @@
           </a:prstGeom>
           <a:solidFill>
             <a:schemeClr val="accent2">
-              <a:lumMod val="75000"/>
+              <a:lumMod val="60000"/>
+              <a:lumOff val="40000"/>
             </a:schemeClr>
           </a:solidFill>
           <a:ln>
@@ -4014,7 +4019,8 @@
           </a:prstGeom>
           <a:solidFill>
             <a:schemeClr val="accent2">
-              <a:lumMod val="75000"/>
+              <a:lumMod val="60000"/>
+              <a:lumOff val="40000"/>
             </a:schemeClr>
           </a:solidFill>
           <a:ln>
@@ -4064,7 +4070,8 @@
           </a:prstGeom>
           <a:solidFill>
             <a:schemeClr val="accent2">
-              <a:lumMod val="75000"/>
+              <a:lumMod val="60000"/>
+              <a:lumOff val="40000"/>
             </a:schemeClr>
           </a:solidFill>
           <a:ln>
@@ -4114,7 +4121,8 @@
           </a:prstGeom>
           <a:solidFill>
             <a:schemeClr val="accent2">
-              <a:lumMod val="75000"/>
+              <a:lumMod val="60000"/>
+              <a:lumOff val="40000"/>
             </a:schemeClr>
           </a:solidFill>
           <a:ln>

--- a/Figures.&.Tables/COMMAND/COMMAND_pipelines.pptx
+++ b/Figures.&.Tables/COMMAND/COMMAND_pipelines.pptx
@@ -289,7 +289,7 @@
             <a:fld id="{1D8BD707-D9CF-40AE-B4C6-C98DA3205C09}" type="datetimeFigureOut">
               <a:rPr lang="en-US" smtClean="0"/>
               <a:pPr/>
-              <a:t>7/10/2014</a:t>
+              <a:t>7/15/2014</a:t>
             </a:fld>
             <a:endParaRPr lang="en-US"/>
           </a:p>
@@ -456,7 +456,7 @@
             <a:fld id="{1D8BD707-D9CF-40AE-B4C6-C98DA3205C09}" type="datetimeFigureOut">
               <a:rPr lang="en-US" smtClean="0"/>
               <a:pPr/>
-              <a:t>7/10/2014</a:t>
+              <a:t>7/15/2014</a:t>
             </a:fld>
             <a:endParaRPr lang="en-US"/>
           </a:p>
@@ -633,7 +633,7 @@
             <a:fld id="{1D8BD707-D9CF-40AE-B4C6-C98DA3205C09}" type="datetimeFigureOut">
               <a:rPr lang="en-US" smtClean="0"/>
               <a:pPr/>
-              <a:t>7/10/2014</a:t>
+              <a:t>7/15/2014</a:t>
             </a:fld>
             <a:endParaRPr lang="en-US"/>
           </a:p>
@@ -800,7 +800,7 @@
             <a:fld id="{1D8BD707-D9CF-40AE-B4C6-C98DA3205C09}" type="datetimeFigureOut">
               <a:rPr lang="en-US" smtClean="0"/>
               <a:pPr/>
-              <a:t>7/10/2014</a:t>
+              <a:t>7/15/2014</a:t>
             </a:fld>
             <a:endParaRPr lang="en-US"/>
           </a:p>
@@ -1043,7 +1043,7 @@
             <a:fld id="{1D8BD707-D9CF-40AE-B4C6-C98DA3205C09}" type="datetimeFigureOut">
               <a:rPr lang="en-US" smtClean="0"/>
               <a:pPr/>
-              <a:t>7/10/2014</a:t>
+              <a:t>7/15/2014</a:t>
             </a:fld>
             <a:endParaRPr lang="en-US"/>
           </a:p>
@@ -1328,7 +1328,7 @@
             <a:fld id="{1D8BD707-D9CF-40AE-B4C6-C98DA3205C09}" type="datetimeFigureOut">
               <a:rPr lang="en-US" smtClean="0"/>
               <a:pPr/>
-              <a:t>7/10/2014</a:t>
+              <a:t>7/15/2014</a:t>
             </a:fld>
             <a:endParaRPr lang="en-US"/>
           </a:p>
@@ -1747,7 +1747,7 @@
             <a:fld id="{1D8BD707-D9CF-40AE-B4C6-C98DA3205C09}" type="datetimeFigureOut">
               <a:rPr lang="en-US" smtClean="0"/>
               <a:pPr/>
-              <a:t>7/10/2014</a:t>
+              <a:t>7/15/2014</a:t>
             </a:fld>
             <a:endParaRPr lang="en-US"/>
           </a:p>
@@ -1862,7 +1862,7 @@
             <a:fld id="{1D8BD707-D9CF-40AE-B4C6-C98DA3205C09}" type="datetimeFigureOut">
               <a:rPr lang="en-US" smtClean="0"/>
               <a:pPr/>
-              <a:t>7/10/2014</a:t>
+              <a:t>7/15/2014</a:t>
             </a:fld>
             <a:endParaRPr lang="en-US"/>
           </a:p>
@@ -1954,7 +1954,7 @@
             <a:fld id="{1D8BD707-D9CF-40AE-B4C6-C98DA3205C09}" type="datetimeFigureOut">
               <a:rPr lang="en-US" smtClean="0"/>
               <a:pPr/>
-              <a:t>7/10/2014</a:t>
+              <a:t>7/15/2014</a:t>
             </a:fld>
             <a:endParaRPr lang="en-US"/>
           </a:p>
@@ -2228,7 +2228,7 @@
             <a:fld id="{1D8BD707-D9CF-40AE-B4C6-C98DA3205C09}" type="datetimeFigureOut">
               <a:rPr lang="en-US" smtClean="0"/>
               <a:pPr/>
-              <a:t>7/10/2014</a:t>
+              <a:t>7/15/2014</a:t>
             </a:fld>
             <a:endParaRPr lang="en-US"/>
           </a:p>
@@ -2478,7 +2478,7 @@
             <a:fld id="{1D8BD707-D9CF-40AE-B4C6-C98DA3205C09}" type="datetimeFigureOut">
               <a:rPr lang="en-US" smtClean="0"/>
               <a:pPr/>
-              <a:t>7/10/2014</a:t>
+              <a:t>7/15/2014</a:t>
             </a:fld>
             <a:endParaRPr lang="en-US"/>
           </a:p>
@@ -2688,7 +2688,7 @@
             <a:fld id="{1D8BD707-D9CF-40AE-B4C6-C98DA3205C09}" type="datetimeFigureOut">
               <a:rPr lang="en-US" smtClean="0"/>
               <a:pPr/>
-              <a:t>7/10/2014</a:t>
+              <a:t>7/15/2014</a:t>
             </a:fld>
             <a:endParaRPr lang="en-US"/>
           </a:p>
@@ -3112,7 +3112,7 @@
                 </a:solidFill>
                 <a:latin typeface="Corbel" pitchFamily="34" charset="0"/>
               </a:rPr>
-              <a:t>LOESS</a:t>
+              <a:t>LOESS normalization</a:t>
             </a:r>
             <a:endParaRPr lang="en-US" sz="1400" b="1" dirty="0">
               <a:solidFill>
@@ -3131,8 +3131,8 @@
         </p:nvSpPr>
         <p:spPr>
           <a:xfrm>
-            <a:off x="4852176" y="4338718"/>
-            <a:ext cx="1260000" cy="495636"/>
+            <a:off x="4744845" y="4338718"/>
+            <a:ext cx="1447800" cy="495636"/>
           </a:xfrm>
           <a:prstGeom prst="roundRect">
             <a:avLst/>
@@ -3176,7 +3176,7 @@
                 </a:solidFill>
                 <a:latin typeface="Corbel" pitchFamily="34" charset="0"/>
               </a:rPr>
-              <a:t>summary</a:t>
+              <a:t>summarization</a:t>
             </a:r>
             <a:endParaRPr lang="en-US" sz="1400" b="1" dirty="0">
               <a:solidFill>
@@ -3206,8 +3206,8 @@
           </a:solidFill>
           <a:ln>
             <a:solidFill>
-              <a:schemeClr val="bg2">
-                <a:lumMod val="50000"/>
+              <a:schemeClr val="bg1">
+                <a:lumMod val="65000"/>
               </a:schemeClr>
             </a:solidFill>
           </a:ln>
@@ -3236,14 +3236,13 @@
             <a:r>
               <a:rPr lang="en-US" sz="1400" b="1" dirty="0" smtClean="0">
                 <a:solidFill>
-                  <a:schemeClr val="tx1">
-                    <a:lumMod val="50000"/>
-                    <a:lumOff val="50000"/>
+                  <a:schemeClr val="bg1">
+                    <a:lumMod val="65000"/>
                   </a:schemeClr>
                 </a:solidFill>
                 <a:latin typeface="Corbel" pitchFamily="34" charset="0"/>
               </a:rPr>
-              <a:t>LOESS</a:t>
+              <a:t>LOESS norm.</a:t>
             </a:r>
           </a:p>
           <a:p>
@@ -3251,9 +3250,8 @@
             <a:r>
               <a:rPr lang="en-US" sz="1400" b="1" dirty="0" smtClean="0">
                 <a:solidFill>
-                  <a:schemeClr val="tx1">
-                    <a:lumMod val="50000"/>
-                    <a:lumOff val="50000"/>
+                  <a:schemeClr val="bg1">
+                    <a:lumMod val="65000"/>
                   </a:schemeClr>
                 </a:solidFill>
                 <a:latin typeface="Corbel" pitchFamily="34" charset="0"/>
@@ -3262,9 +3260,8 @@
             </a:r>
             <a:endParaRPr lang="en-US" sz="1400" b="1" dirty="0">
               <a:solidFill>
-                <a:schemeClr val="tx1">
-                  <a:lumMod val="50000"/>
-                  <a:lumOff val="50000"/>
+                <a:schemeClr val="bg1">
+                  <a:lumMod val="65000"/>
                 </a:schemeClr>
               </a:solidFill>
               <a:latin typeface="Corbel" pitchFamily="34" charset="0"/>
@@ -3283,8 +3280,8 @@
         </p:nvCxnSpPr>
         <p:spPr>
           <a:xfrm>
-            <a:off x="6112176" y="4586536"/>
-            <a:ext cx="299588" cy="0"/>
+            <a:off x="6192645" y="4586536"/>
+            <a:ext cx="219119" cy="0"/>
           </a:xfrm>
           <a:prstGeom prst="straightConnector1">
             <a:avLst/>
@@ -3397,8 +3394,8 @@
         </p:nvSpPr>
         <p:spPr>
           <a:xfrm>
-            <a:off x="3287564" y="5752736"/>
-            <a:ext cx="1260000" cy="495636"/>
+            <a:off x="3200400" y="5752736"/>
+            <a:ext cx="1447800" cy="495636"/>
           </a:xfrm>
           <a:prstGeom prst="roundRect">
             <a:avLst/>
@@ -3442,7 +3439,7 @@
                 </a:solidFill>
                 <a:latin typeface="Corbel" pitchFamily="34" charset="0"/>
               </a:rPr>
-              <a:t>summary</a:t>
+              <a:t>summarization</a:t>
             </a:r>
           </a:p>
         </p:txBody>
@@ -3466,8 +3463,8 @@
           </a:solidFill>
           <a:ln>
             <a:solidFill>
-              <a:schemeClr val="bg2">
-                <a:lumMod val="50000"/>
+              <a:schemeClr val="bg1">
+                <a:lumMod val="65000"/>
               </a:schemeClr>
             </a:solidFill>
           </a:ln>
@@ -3496,14 +3493,13 @@
             <a:r>
               <a:rPr lang="en-US" sz="1400" b="1" dirty="0" smtClean="0">
                 <a:solidFill>
-                  <a:schemeClr val="tx1">
-                    <a:lumMod val="50000"/>
-                    <a:lumOff val="50000"/>
+                  <a:schemeClr val="bg1">
+                    <a:lumMod val="65000"/>
                   </a:schemeClr>
                 </a:solidFill>
                 <a:latin typeface="Corbel" pitchFamily="34" charset="0"/>
               </a:rPr>
-              <a:t>LOESS</a:t>
+              <a:t>LOESS norm.</a:t>
             </a:r>
           </a:p>
           <a:p>
@@ -3511,9 +3507,8 @@
             <a:r>
               <a:rPr lang="en-US" sz="1400" b="1" dirty="0" smtClean="0">
                 <a:solidFill>
-                  <a:schemeClr val="tx1">
-                    <a:lumMod val="50000"/>
-                    <a:lumOff val="50000"/>
+                  <a:schemeClr val="bg1">
+                    <a:lumMod val="65000"/>
                   </a:schemeClr>
                 </a:solidFill>
                 <a:latin typeface="Corbel" pitchFamily="34" charset="0"/>
@@ -3522,9 +3517,8 @@
             </a:r>
             <a:endParaRPr lang="en-US" sz="1400" b="1" dirty="0">
               <a:solidFill>
-                <a:schemeClr val="tx1">
-                  <a:lumMod val="50000"/>
-                  <a:lumOff val="50000"/>
+                <a:schemeClr val="bg1">
+                  <a:lumMod val="65000"/>
                 </a:schemeClr>
               </a:solidFill>
               <a:latin typeface="Corbel" pitchFamily="34" charset="0"/>
@@ -3543,8 +3537,8 @@
         </p:nvCxnSpPr>
         <p:spPr>
           <a:xfrm>
-            <a:off x="4547564" y="6000554"/>
-            <a:ext cx="308881" cy="0"/>
+            <a:off x="4648200" y="6000554"/>
+            <a:ext cx="208245" cy="0"/>
           </a:xfrm>
           <a:prstGeom prst="straightConnector1">
             <a:avLst/>
@@ -3585,7 +3579,7 @@
         <p:spPr>
           <a:xfrm>
             <a:off x="4547376" y="4586509"/>
-            <a:ext cx="304800" cy="27"/>
+            <a:ext cx="197469" cy="27"/>
           </a:xfrm>
           <a:prstGeom prst="straightConnector1">
             <a:avLst/>
@@ -3626,7 +3620,7 @@
         <p:spPr>
           <a:xfrm flipV="1">
             <a:off x="2980629" y="6000554"/>
-            <a:ext cx="306935" cy="1"/>
+            <a:ext cx="219771" cy="1"/>
           </a:xfrm>
           <a:prstGeom prst="straightConnector1">
             <a:avLst/>
@@ -3775,7 +3769,7 @@
                 </a:solidFill>
                 <a:latin typeface="Corbel" pitchFamily="34" charset="0"/>
               </a:rPr>
-              <a:t>M calculation</a:t>
+              <a:t>log-ratio calculation</a:t>
             </a:r>
           </a:p>
         </p:txBody>
@@ -3830,7 +3824,7 @@
         <p:spPr>
           <a:xfrm>
             <a:off x="1075319" y="5337955"/>
-            <a:ext cx="2981714" cy="338554"/>
+            <a:ext cx="1896481" cy="338554"/>
           </a:xfrm>
           <a:prstGeom prst="rect">
             <a:avLst/>
@@ -3844,8 +3838,8 @@
           <a:lstStyle/>
           <a:p>
             <a:r>
-              <a:rPr lang="en-US" sz="1600" b="1" dirty="0" smtClean="0"/>
-              <a:t>high density single-channel </a:t>
+              <a:rPr lang="en-US" sz="1600" b="1" smtClean="0"/>
+              <a:t>single-channel </a:t>
             </a:r>
             <a:r>
               <a:rPr lang="en-US" sz="1600" b="1" dirty="0" smtClean="0"/>
@@ -4209,7 +4203,7 @@
                 </a:solidFill>
                 <a:latin typeface="Corbel" pitchFamily="34" charset="0"/>
               </a:rPr>
-              <a:t>M calculation</a:t>
+              <a:t>log-ratio calculation</a:t>
             </a:r>
           </a:p>
         </p:txBody>
